--- a/plots/autoregressive.pptx
+++ b/plots/autoregressive.pptx
@@ -104,6 +104,11 @@
       </a:defRPr>
     </a:lvl9pPr>
   </p:defaultTextStyle>
+  <p:extLst>
+    <p:ext uri="{EFAFB233-063F-42B5-8137-9DF3F51BA10A}">
+      <p15:sldGuideLst xmlns:p15="http://schemas.microsoft.com/office/powerpoint/2012/main"/>
+    </p:ext>
+  </p:extLst>
 </p:presentation>
 </file>
 
@@ -254,7 +259,7 @@
           <a:p>
             <a:fld id="{7D59D935-D598-4090-A2D5-A4465685486F}" type="datetimeFigureOut">
               <a:rPr lang="nb-NO" smtClean="0"/>
-              <a:t>24.03.2023</a:t>
+              <a:t>27.03.2023</a:t>
             </a:fld>
             <a:endParaRPr lang="nb-NO"/>
           </a:p>
@@ -452,7 +457,7 @@
           <a:p>
             <a:fld id="{7D59D935-D598-4090-A2D5-A4465685486F}" type="datetimeFigureOut">
               <a:rPr lang="nb-NO" smtClean="0"/>
-              <a:t>24.03.2023</a:t>
+              <a:t>27.03.2023</a:t>
             </a:fld>
             <a:endParaRPr lang="nb-NO"/>
           </a:p>
@@ -660,7 +665,7 @@
           <a:p>
             <a:fld id="{7D59D935-D598-4090-A2D5-A4465685486F}" type="datetimeFigureOut">
               <a:rPr lang="nb-NO" smtClean="0"/>
-              <a:t>24.03.2023</a:t>
+              <a:t>27.03.2023</a:t>
             </a:fld>
             <a:endParaRPr lang="nb-NO"/>
           </a:p>
@@ -858,7 +863,7 @@
           <a:p>
             <a:fld id="{7D59D935-D598-4090-A2D5-A4465685486F}" type="datetimeFigureOut">
               <a:rPr lang="nb-NO" smtClean="0"/>
-              <a:t>24.03.2023</a:t>
+              <a:t>27.03.2023</a:t>
             </a:fld>
             <a:endParaRPr lang="nb-NO"/>
           </a:p>
@@ -1133,7 +1138,7 @@
           <a:p>
             <a:fld id="{7D59D935-D598-4090-A2D5-A4465685486F}" type="datetimeFigureOut">
               <a:rPr lang="nb-NO" smtClean="0"/>
-              <a:t>24.03.2023</a:t>
+              <a:t>27.03.2023</a:t>
             </a:fld>
             <a:endParaRPr lang="nb-NO"/>
           </a:p>
@@ -1398,7 +1403,7 @@
           <a:p>
             <a:fld id="{7D59D935-D598-4090-A2D5-A4465685486F}" type="datetimeFigureOut">
               <a:rPr lang="nb-NO" smtClean="0"/>
-              <a:t>24.03.2023</a:t>
+              <a:t>27.03.2023</a:t>
             </a:fld>
             <a:endParaRPr lang="nb-NO"/>
           </a:p>
@@ -1810,7 +1815,7 @@
           <a:p>
             <a:fld id="{7D59D935-D598-4090-A2D5-A4465685486F}" type="datetimeFigureOut">
               <a:rPr lang="nb-NO" smtClean="0"/>
-              <a:t>24.03.2023</a:t>
+              <a:t>27.03.2023</a:t>
             </a:fld>
             <a:endParaRPr lang="nb-NO"/>
           </a:p>
@@ -1951,7 +1956,7 @@
           <a:p>
             <a:fld id="{7D59D935-D598-4090-A2D5-A4465685486F}" type="datetimeFigureOut">
               <a:rPr lang="nb-NO" smtClean="0"/>
-              <a:t>24.03.2023</a:t>
+              <a:t>27.03.2023</a:t>
             </a:fld>
             <a:endParaRPr lang="nb-NO"/>
           </a:p>
@@ -2064,7 +2069,7 @@
           <a:p>
             <a:fld id="{7D59D935-D598-4090-A2D5-A4465685486F}" type="datetimeFigureOut">
               <a:rPr lang="nb-NO" smtClean="0"/>
-              <a:t>24.03.2023</a:t>
+              <a:t>27.03.2023</a:t>
             </a:fld>
             <a:endParaRPr lang="nb-NO"/>
           </a:p>
@@ -2375,7 +2380,7 @@
           <a:p>
             <a:fld id="{7D59D935-D598-4090-A2D5-A4465685486F}" type="datetimeFigureOut">
               <a:rPr lang="nb-NO" smtClean="0"/>
-              <a:t>24.03.2023</a:t>
+              <a:t>27.03.2023</a:t>
             </a:fld>
             <a:endParaRPr lang="nb-NO"/>
           </a:p>
@@ -2663,7 +2668,7 @@
           <a:p>
             <a:fld id="{7D59D935-D598-4090-A2D5-A4465685486F}" type="datetimeFigureOut">
               <a:rPr lang="nb-NO" smtClean="0"/>
-              <a:t>24.03.2023</a:t>
+              <a:t>27.03.2023</a:t>
             </a:fld>
             <a:endParaRPr lang="nb-NO"/>
           </a:p>
@@ -2904,7 +2909,7 @@
           <a:p>
             <a:fld id="{7D59D935-D598-4090-A2D5-A4465685486F}" type="datetimeFigureOut">
               <a:rPr lang="nb-NO" smtClean="0"/>
-              <a:t>24.03.2023</a:t>
+              <a:t>27.03.2023</a:t>
             </a:fld>
             <a:endParaRPr lang="nb-NO"/>
           </a:p>
@@ -3633,7 +3638,7 @@
               </p:nvSpPr>
               <p:spPr>
                 <a:xfrm>
-                  <a:off x="5498022" y="195316"/>
+                  <a:off x="5516191" y="195316"/>
                   <a:ext cx="482824" cy="369332"/>
                 </a:xfrm>
                 <a:prstGeom prst="rect">
@@ -3793,10 +3798,10 @@
           </p:nvGrpSpPr>
           <p:grpSpPr>
             <a:xfrm>
-              <a:off x="3291839" y="2165794"/>
-              <a:ext cx="5124006" cy="1826055"/>
-              <a:chOff x="1510234" y="195316"/>
-              <a:chExt cx="5124006" cy="1826055"/>
+              <a:off x="3291839" y="2142928"/>
+              <a:ext cx="5124006" cy="1848921"/>
+              <a:chOff x="1510234" y="172450"/>
+              <a:chExt cx="5124006" cy="1848921"/>
             </a:xfrm>
           </p:grpSpPr>
           <p:grpSp>
@@ -3813,10 +3818,10 @@
             </p:nvGrpSpPr>
             <p:grpSpPr>
               <a:xfrm>
-                <a:off x="1510234" y="195316"/>
-                <a:ext cx="5124006" cy="1826055"/>
-                <a:chOff x="1510234" y="195316"/>
-                <a:chExt cx="5124006" cy="1826055"/>
+                <a:off x="1510234" y="172450"/>
+                <a:ext cx="5124006" cy="1848921"/>
+                <a:chOff x="1510234" y="172450"/>
+                <a:chExt cx="5124006" cy="1848921"/>
               </a:xfrm>
             </p:grpSpPr>
             <p:grpSp>
@@ -4035,7 +4040,7 @@
               </p:nvSpPr>
               <p:spPr>
                 <a:xfrm>
-                  <a:off x="5498022" y="1652039"/>
+                  <a:off x="5516190" y="1652039"/>
                   <a:ext cx="482824" cy="369332"/>
                 </a:xfrm>
                 <a:prstGeom prst="rect">
@@ -4071,7 +4076,7 @@
               </p:nvSpPr>
               <p:spPr>
                 <a:xfrm>
-                  <a:off x="5362473" y="195316"/>
+                  <a:off x="5380641" y="172450"/>
                   <a:ext cx="753924" cy="369332"/>
                 </a:xfrm>
                 <a:prstGeom prst="rect">
@@ -4107,7 +4112,7 @@
               </p:nvCxnSpPr>
               <p:spPr>
                 <a:xfrm flipH="1" flipV="1">
-                  <a:off x="5739434" y="483747"/>
+                  <a:off x="5757720" y="483746"/>
                   <a:ext cx="1" cy="207531"/>
                 </a:xfrm>
                 <a:prstGeom prst="straightConnector1">
@@ -4473,7 +4478,7 @@
               </p:nvSpPr>
               <p:spPr>
                 <a:xfrm>
-                  <a:off x="4909625" y="1652039"/>
+                  <a:off x="4934037" y="1652039"/>
                   <a:ext cx="1659621" cy="369332"/>
                 </a:xfrm>
                 <a:prstGeom prst="rect">
@@ -4509,8 +4514,8 @@
               </p:nvSpPr>
               <p:spPr>
                 <a:xfrm>
-                  <a:off x="5463750" y="195316"/>
-                  <a:ext cx="551369" cy="369332"/>
+                  <a:off x="5462297" y="195316"/>
+                  <a:ext cx="590611" cy="369332"/>
                 </a:xfrm>
                 <a:prstGeom prst="rect">
                   <a:avLst/>
@@ -4526,7 +4531,7 @@
                   <a:pPr algn="ctr"/>
                   <a:r>
                     <a:rPr lang="nb-NO" dirty="0"/>
-                    <a:t>EOS</a:t>
+                    <a:t>&lt;/s&gt;</a:t>
                   </a:r>
                 </a:p>
               </p:txBody>
@@ -4545,7 +4550,7 @@
               </p:nvCxnSpPr>
               <p:spPr>
                 <a:xfrm flipH="1" flipV="1">
-                  <a:off x="5739434" y="483747"/>
+                  <a:off x="5745449" y="483747"/>
                   <a:ext cx="1" cy="207531"/>
                 </a:xfrm>
                 <a:prstGeom prst="straightConnector1">
@@ -4691,6 +4696,129 @@
           </p:txBody>
         </p:sp>
       </p:grpSp>
+      <p:cxnSp>
+        <p:nvCxnSpPr>
+          <p:cNvPr id="2" name="Rett pilkobling 1">
+            <a:extLst>
+              <a:ext uri="{FF2B5EF4-FFF2-40B4-BE49-F238E27FC236}">
+                <a16:creationId xmlns:a16="http://schemas.microsoft.com/office/drawing/2014/main" id="{240FFF72-C86A-B4B0-C029-8AC62A96FA3E}"/>
+              </a:ext>
+            </a:extLst>
+          </p:cNvPr>
+          <p:cNvCxnSpPr>
+            <a:cxnSpLocks/>
+          </p:cNvCxnSpPr>
+          <p:nvPr/>
+        </p:nvCxnSpPr>
+        <p:spPr>
+          <a:xfrm flipV="1">
+            <a:off x="7763197" y="1802371"/>
+            <a:ext cx="1" cy="203115"/>
+          </a:xfrm>
+          <a:prstGeom prst="straightConnector1">
+            <a:avLst/>
+          </a:prstGeom>
+          <a:ln>
+            <a:tailEnd type="triangle"/>
+          </a:ln>
+        </p:spPr>
+        <p:style>
+          <a:lnRef idx="1">
+            <a:schemeClr val="accent1"/>
+          </a:lnRef>
+          <a:fillRef idx="0">
+            <a:schemeClr val="accent1"/>
+          </a:fillRef>
+          <a:effectRef idx="0">
+            <a:schemeClr val="accent1"/>
+          </a:effectRef>
+          <a:fontRef idx="minor">
+            <a:schemeClr val="tx1"/>
+          </a:fontRef>
+        </p:style>
+      </p:cxnSp>
+      <p:cxnSp>
+        <p:nvCxnSpPr>
+          <p:cNvPr id="3" name="Rett pilkobling 2">
+            <a:extLst>
+              <a:ext uri="{FF2B5EF4-FFF2-40B4-BE49-F238E27FC236}">
+                <a16:creationId xmlns:a16="http://schemas.microsoft.com/office/drawing/2014/main" id="{2AD4B5FD-295E-A58B-308D-7184E16DE0BC}"/>
+              </a:ext>
+            </a:extLst>
+          </p:cNvPr>
+          <p:cNvCxnSpPr>
+            <a:cxnSpLocks/>
+          </p:cNvCxnSpPr>
+          <p:nvPr/>
+        </p:nvCxnSpPr>
+        <p:spPr>
+          <a:xfrm flipV="1">
+            <a:off x="7781366" y="3619466"/>
+            <a:ext cx="1" cy="203115"/>
+          </a:xfrm>
+          <a:prstGeom prst="straightConnector1">
+            <a:avLst/>
+          </a:prstGeom>
+          <a:ln>
+            <a:tailEnd type="triangle"/>
+          </a:ln>
+        </p:spPr>
+        <p:style>
+          <a:lnRef idx="1">
+            <a:schemeClr val="accent1"/>
+          </a:lnRef>
+          <a:fillRef idx="0">
+            <a:schemeClr val="accent1"/>
+          </a:fillRef>
+          <a:effectRef idx="0">
+            <a:schemeClr val="accent1"/>
+          </a:effectRef>
+          <a:fontRef idx="minor">
+            <a:schemeClr val="tx1"/>
+          </a:fontRef>
+        </p:style>
+      </p:cxnSp>
+      <p:cxnSp>
+        <p:nvCxnSpPr>
+          <p:cNvPr id="6" name="Rett pilkobling 5">
+            <a:extLst>
+              <a:ext uri="{FF2B5EF4-FFF2-40B4-BE49-F238E27FC236}">
+                <a16:creationId xmlns:a16="http://schemas.microsoft.com/office/drawing/2014/main" id="{68E70690-4D4E-3FEC-2E6C-DA00866506D1}"/>
+              </a:ext>
+            </a:extLst>
+          </p:cNvPr>
+          <p:cNvCxnSpPr>
+            <a:cxnSpLocks/>
+          </p:cNvCxnSpPr>
+          <p:nvPr/>
+        </p:nvCxnSpPr>
+        <p:spPr>
+          <a:xfrm flipV="1">
+            <a:off x="7781366" y="5761860"/>
+            <a:ext cx="1" cy="203115"/>
+          </a:xfrm>
+          <a:prstGeom prst="straightConnector1">
+            <a:avLst/>
+          </a:prstGeom>
+          <a:ln>
+            <a:tailEnd type="triangle"/>
+          </a:ln>
+        </p:spPr>
+        <p:style>
+          <a:lnRef idx="1">
+            <a:schemeClr val="accent1"/>
+          </a:lnRef>
+          <a:fillRef idx="0">
+            <a:schemeClr val="accent1"/>
+          </a:fillRef>
+          <a:effectRef idx="0">
+            <a:schemeClr val="accent1"/>
+          </a:effectRef>
+          <a:fontRef idx="minor">
+            <a:schemeClr val="tx1"/>
+          </a:fontRef>
+        </p:style>
+      </p:cxnSp>
     </p:spTree>
     <p:extLst>
       <p:ext uri="{BB962C8B-B14F-4D97-AF65-F5344CB8AC3E}">

--- a/plots/autoregressive.pptx
+++ b/plots/autoregressive.pptx
@@ -259,7 +259,7 @@
           <a:p>
             <a:fld id="{7D59D935-D598-4090-A2D5-A4465685486F}" type="datetimeFigureOut">
               <a:rPr lang="nb-NO" smtClean="0"/>
-              <a:t>27.03.2023</a:t>
+              <a:t>27.04.2023</a:t>
             </a:fld>
             <a:endParaRPr lang="nb-NO"/>
           </a:p>
@@ -457,7 +457,7 @@
           <a:p>
             <a:fld id="{7D59D935-D598-4090-A2D5-A4465685486F}" type="datetimeFigureOut">
               <a:rPr lang="nb-NO" smtClean="0"/>
-              <a:t>27.03.2023</a:t>
+              <a:t>27.04.2023</a:t>
             </a:fld>
             <a:endParaRPr lang="nb-NO"/>
           </a:p>
@@ -665,7 +665,7 @@
           <a:p>
             <a:fld id="{7D59D935-D598-4090-A2D5-A4465685486F}" type="datetimeFigureOut">
               <a:rPr lang="nb-NO" smtClean="0"/>
-              <a:t>27.03.2023</a:t>
+              <a:t>27.04.2023</a:t>
             </a:fld>
             <a:endParaRPr lang="nb-NO"/>
           </a:p>
@@ -863,7 +863,7 @@
           <a:p>
             <a:fld id="{7D59D935-D598-4090-A2D5-A4465685486F}" type="datetimeFigureOut">
               <a:rPr lang="nb-NO" smtClean="0"/>
-              <a:t>27.03.2023</a:t>
+              <a:t>27.04.2023</a:t>
             </a:fld>
             <a:endParaRPr lang="nb-NO"/>
           </a:p>
@@ -1138,7 +1138,7 @@
           <a:p>
             <a:fld id="{7D59D935-D598-4090-A2D5-A4465685486F}" type="datetimeFigureOut">
               <a:rPr lang="nb-NO" smtClean="0"/>
-              <a:t>27.03.2023</a:t>
+              <a:t>27.04.2023</a:t>
             </a:fld>
             <a:endParaRPr lang="nb-NO"/>
           </a:p>
@@ -1403,7 +1403,7 @@
           <a:p>
             <a:fld id="{7D59D935-D598-4090-A2D5-A4465685486F}" type="datetimeFigureOut">
               <a:rPr lang="nb-NO" smtClean="0"/>
-              <a:t>27.03.2023</a:t>
+              <a:t>27.04.2023</a:t>
             </a:fld>
             <a:endParaRPr lang="nb-NO"/>
           </a:p>
@@ -1815,7 +1815,7 @@
           <a:p>
             <a:fld id="{7D59D935-D598-4090-A2D5-A4465685486F}" type="datetimeFigureOut">
               <a:rPr lang="nb-NO" smtClean="0"/>
-              <a:t>27.03.2023</a:t>
+              <a:t>27.04.2023</a:t>
             </a:fld>
             <a:endParaRPr lang="nb-NO"/>
           </a:p>
@@ -1956,7 +1956,7 @@
           <a:p>
             <a:fld id="{7D59D935-D598-4090-A2D5-A4465685486F}" type="datetimeFigureOut">
               <a:rPr lang="nb-NO" smtClean="0"/>
-              <a:t>27.03.2023</a:t>
+              <a:t>27.04.2023</a:t>
             </a:fld>
             <a:endParaRPr lang="nb-NO"/>
           </a:p>
@@ -2069,7 +2069,7 @@
           <a:p>
             <a:fld id="{7D59D935-D598-4090-A2D5-A4465685486F}" type="datetimeFigureOut">
               <a:rPr lang="nb-NO" smtClean="0"/>
-              <a:t>27.03.2023</a:t>
+              <a:t>27.04.2023</a:t>
             </a:fld>
             <a:endParaRPr lang="nb-NO"/>
           </a:p>
@@ -2380,7 +2380,7 @@
           <a:p>
             <a:fld id="{7D59D935-D598-4090-A2D5-A4465685486F}" type="datetimeFigureOut">
               <a:rPr lang="nb-NO" smtClean="0"/>
-              <a:t>27.03.2023</a:t>
+              <a:t>27.04.2023</a:t>
             </a:fld>
             <a:endParaRPr lang="nb-NO"/>
           </a:p>
@@ -2668,7 +2668,7 @@
           <a:p>
             <a:fld id="{7D59D935-D598-4090-A2D5-A4465685486F}" type="datetimeFigureOut">
               <a:rPr lang="nb-NO" smtClean="0"/>
-              <a:t>27.03.2023</a:t>
+              <a:t>27.04.2023</a:t>
             </a:fld>
             <a:endParaRPr lang="nb-NO"/>
           </a:p>
@@ -2909,7 +2909,7 @@
           <a:p>
             <a:fld id="{7D59D935-D598-4090-A2D5-A4465685486F}" type="datetimeFigureOut">
               <a:rPr lang="nb-NO" smtClean="0"/>
-              <a:t>27.03.2023</a:t>
+              <a:t>27.04.2023</a:t>
             </a:fld>
             <a:endParaRPr lang="nb-NO"/>
           </a:p>
